--- a/Detailed Report Amazon.pptx
+++ b/Detailed Report Amazon.pptx
@@ -845,7 +845,7 @@
           <a:p>
             <a:fld id="{BBE792F7-3B35-427B-BB37-7589FA52E8E2}" type="datetimeFigureOut">
               <a:rPr lang="en-IN" smtClean="0"/>
-              <a:t>29-07-2022</a:t>
+              <a:t>01-09-2022</a:t>
             </a:fld>
             <a:endParaRPr lang="en-IN"/>
           </a:p>
@@ -1096,7 +1096,7 @@
           <a:p>
             <a:fld id="{BBE792F7-3B35-427B-BB37-7589FA52E8E2}" type="datetimeFigureOut">
               <a:rPr lang="en-IN" smtClean="0"/>
-              <a:t>29-07-2022</a:t>
+              <a:t>01-09-2022</a:t>
             </a:fld>
             <a:endParaRPr lang="en-IN"/>
           </a:p>
@@ -1410,7 +1410,7 @@
           <a:p>
             <a:fld id="{BBE792F7-3B35-427B-BB37-7589FA52E8E2}" type="datetimeFigureOut">
               <a:rPr lang="en-IN" smtClean="0"/>
-              <a:t>29-07-2022</a:t>
+              <a:t>01-09-2022</a:t>
             </a:fld>
             <a:endParaRPr lang="en-IN"/>
           </a:p>
@@ -1751,7 +1751,7 @@
           <a:p>
             <a:fld id="{BBE792F7-3B35-427B-BB37-7589FA52E8E2}" type="datetimeFigureOut">
               <a:rPr lang="en-IN" smtClean="0"/>
-              <a:t>29-07-2022</a:t>
+              <a:t>01-09-2022</a:t>
             </a:fld>
             <a:endParaRPr lang="en-IN"/>
           </a:p>
@@ -2065,7 +2065,7 @@
           <a:p>
             <a:fld id="{BBE792F7-3B35-427B-BB37-7589FA52E8E2}" type="datetimeFigureOut">
               <a:rPr lang="en-IN" smtClean="0"/>
-              <a:t>29-07-2022</a:t>
+              <a:t>01-09-2022</a:t>
             </a:fld>
             <a:endParaRPr lang="en-IN"/>
           </a:p>
@@ -2458,7 +2458,7 @@
           <a:p>
             <a:fld id="{BBE792F7-3B35-427B-BB37-7589FA52E8E2}" type="datetimeFigureOut">
               <a:rPr lang="en-IN" smtClean="0"/>
-              <a:t>29-07-2022</a:t>
+              <a:t>01-09-2022</a:t>
             </a:fld>
             <a:endParaRPr lang="en-IN"/>
           </a:p>
@@ -2628,7 +2628,7 @@
           <a:p>
             <a:fld id="{BBE792F7-3B35-427B-BB37-7589FA52E8E2}" type="datetimeFigureOut">
               <a:rPr lang="en-IN" smtClean="0"/>
-              <a:t>29-07-2022</a:t>
+              <a:t>01-09-2022</a:t>
             </a:fld>
             <a:endParaRPr lang="en-IN"/>
           </a:p>
@@ -2808,7 +2808,7 @@
           <a:p>
             <a:fld id="{BBE792F7-3B35-427B-BB37-7589FA52E8E2}" type="datetimeFigureOut">
               <a:rPr lang="en-IN" smtClean="0"/>
-              <a:t>29-07-2022</a:t>
+              <a:t>01-09-2022</a:t>
             </a:fld>
             <a:endParaRPr lang="en-IN"/>
           </a:p>
@@ -2984,7 +2984,7 @@
           <a:p>
             <a:fld id="{BBE792F7-3B35-427B-BB37-7589FA52E8E2}" type="datetimeFigureOut">
               <a:rPr lang="en-IN" smtClean="0"/>
-              <a:t>29-07-2022</a:t>
+              <a:t>01-09-2022</a:t>
             </a:fld>
             <a:endParaRPr lang="en-IN"/>
           </a:p>
@@ -3231,7 +3231,7 @@
           <a:p>
             <a:fld id="{BBE792F7-3B35-427B-BB37-7589FA52E8E2}" type="datetimeFigureOut">
               <a:rPr lang="en-IN" smtClean="0"/>
-              <a:t>29-07-2022</a:t>
+              <a:t>01-09-2022</a:t>
             </a:fld>
             <a:endParaRPr lang="en-IN"/>
           </a:p>
@@ -3463,7 +3463,7 @@
           <a:p>
             <a:fld id="{BBE792F7-3B35-427B-BB37-7589FA52E8E2}" type="datetimeFigureOut">
               <a:rPr lang="en-IN" smtClean="0"/>
-              <a:t>29-07-2022</a:t>
+              <a:t>01-09-2022</a:t>
             </a:fld>
             <a:endParaRPr lang="en-IN"/>
           </a:p>
@@ -3837,7 +3837,7 @@
           <a:p>
             <a:fld id="{BBE792F7-3B35-427B-BB37-7589FA52E8E2}" type="datetimeFigureOut">
               <a:rPr lang="en-IN" smtClean="0"/>
-              <a:t>29-07-2022</a:t>
+              <a:t>01-09-2022</a:t>
             </a:fld>
             <a:endParaRPr lang="en-IN"/>
           </a:p>
@@ -3960,7 +3960,7 @@
           <a:p>
             <a:fld id="{BBE792F7-3B35-427B-BB37-7589FA52E8E2}" type="datetimeFigureOut">
               <a:rPr lang="en-IN" smtClean="0"/>
-              <a:t>29-07-2022</a:t>
+              <a:t>01-09-2022</a:t>
             </a:fld>
             <a:endParaRPr lang="en-IN"/>
           </a:p>
@@ -4055,7 +4055,7 @@
           <a:p>
             <a:fld id="{BBE792F7-3B35-427B-BB37-7589FA52E8E2}" type="datetimeFigureOut">
               <a:rPr lang="en-IN" smtClean="0"/>
-              <a:t>29-07-2022</a:t>
+              <a:t>01-09-2022</a:t>
             </a:fld>
             <a:endParaRPr lang="en-IN"/>
           </a:p>
@@ -4310,7 +4310,7 @@
           <a:p>
             <a:fld id="{BBE792F7-3B35-427B-BB37-7589FA52E8E2}" type="datetimeFigureOut">
               <a:rPr lang="en-IN" smtClean="0"/>
-              <a:t>29-07-2022</a:t>
+              <a:t>01-09-2022</a:t>
             </a:fld>
             <a:endParaRPr lang="en-IN"/>
           </a:p>
@@ -4573,7 +4573,7 @@
           <a:p>
             <a:fld id="{BBE792F7-3B35-427B-BB37-7589FA52E8E2}" type="datetimeFigureOut">
               <a:rPr lang="en-IN" smtClean="0"/>
-              <a:t>29-07-2022</a:t>
+              <a:t>01-09-2022</a:t>
             </a:fld>
             <a:endParaRPr lang="en-IN"/>
           </a:p>
@@ -5316,7 +5316,7 @@
           <a:p>
             <a:fld id="{BBE792F7-3B35-427B-BB37-7589FA52E8E2}" type="datetimeFigureOut">
               <a:rPr lang="en-IN" smtClean="0"/>
-              <a:t>29-07-2022</a:t>
+              <a:t>01-09-2022</a:t>
             </a:fld>
             <a:endParaRPr lang="en-IN"/>
           </a:p>
@@ -6230,7 +6230,15 @@
             </a:pPr>
             <a:r>
               <a:rPr lang="en-IN" sz="2000" dirty="0"/>
-              <a:t>The testing files are shared by the client. We Perform the same life cycle with EDA in Python till the data is clustered. Then on the basis of cluster number model is loaded and perform prediction with the help of Power BI. In the end we get the accumulated data of predictions.</a:t>
+              <a:t>The testing files are shared by the client. I perform the same life cycle with EDA in Python till the data is clustered. Then on the basis of cluster number model is loaded and perform prediction with the help of Power BI. In the </a:t>
+            </a:r>
+            <a:r>
+              <a:rPr lang="en-IN" sz="2000"/>
+              <a:t>end I got </a:t>
+            </a:r>
+            <a:r>
+              <a:rPr lang="en-IN" sz="2000" dirty="0"/>
+              <a:t>the accumulated data of predictions.</a:t>
             </a:r>
           </a:p>
           <a:p>
@@ -6581,7 +6589,7 @@
               <a:rPr lang="en-IN" sz="2000" dirty="0">
                 <a:cs typeface="Arial" panose="020B0604020202020204" pitchFamily="34" charset="0"/>
               </a:rPr>
-              <a:t>Finding important events in sales analysis.</a:t>
+              <a:t>Dashboards – Sales View and Finance View.</a:t>
             </a:r>
           </a:p>
           <a:p>
@@ -7071,9 +7079,6 @@
             </a:pPr>
             <a:r>
               <a:rPr lang="en-IN" sz="2000" b="0" i="0" dirty="0">
-                <a:solidFill>
-                  <a:srgbClr val="222222"/>
-                </a:solidFill>
                 <a:effectLst/>
               </a:rPr>
               <a:t>Introducing the Dataset</a:t>
@@ -7086,9 +7091,6 @@
             </a:pPr>
             <a:r>
               <a:rPr lang="en-IN" sz="2000" b="0" i="0" dirty="0">
-                <a:solidFill>
-                  <a:srgbClr val="222222"/>
-                </a:solidFill>
                 <a:effectLst/>
               </a:rPr>
               <a:t>Importing the Python Libraries</a:t>
@@ -7101,9 +7103,6 @@
             </a:pPr>
             <a:r>
               <a:rPr lang="en-IN" sz="2000" b="0" i="0" dirty="0">
-                <a:solidFill>
-                  <a:srgbClr val="222222"/>
-                </a:solidFill>
                 <a:effectLst/>
               </a:rPr>
               <a:t>Loading the Dataset in Python</a:t>
@@ -7116,9 +7115,6 @@
             </a:pPr>
             <a:r>
               <a:rPr lang="en-IN" sz="2000" b="0" i="0" dirty="0">
-                <a:solidFill>
-                  <a:srgbClr val="222222"/>
-                </a:solidFill>
                 <a:effectLst/>
               </a:rPr>
               <a:t>Structured Based Data Exploration</a:t>
@@ -7131,9 +7127,6 @@
             </a:pPr>
             <a:r>
               <a:rPr lang="en-IN" sz="2000" b="0" i="0" dirty="0">
-                <a:solidFill>
-                  <a:srgbClr val="222222"/>
-                </a:solidFill>
                 <a:effectLst/>
               </a:rPr>
               <a:t>Handling Duplicates</a:t>
@@ -7146,9 +7139,6 @@
             </a:pPr>
             <a:r>
               <a:rPr lang="en-IN" sz="2000" b="0" i="0" dirty="0">
-                <a:solidFill>
-                  <a:srgbClr val="222222"/>
-                </a:solidFill>
                 <a:effectLst/>
               </a:rPr>
               <a:t>Handling Outliers</a:t>
@@ -7161,9 +7151,6 @@
             </a:pPr>
             <a:r>
               <a:rPr lang="en-IN" sz="2000" b="0" i="0" dirty="0">
-                <a:solidFill>
-                  <a:srgbClr val="222222"/>
-                </a:solidFill>
                 <a:effectLst/>
               </a:rPr>
               <a:t>Handling Missing Values</a:t>
@@ -7265,7 +7252,7 @@
           <a:p>
             <a:r>
               <a:rPr lang="en-IN" dirty="0"/>
-              <a:t>Loaded the SALESDATA.xlsx in Power BI</a:t>
+              <a:t>Loaded the Cleandata.csv in Power BI</a:t>
             </a:r>
           </a:p>
           <a:p>
@@ -7277,7 +7264,7 @@
           <a:p>
             <a:r>
               <a:rPr lang="en-IN" dirty="0"/>
-              <a:t>Prepared dashboard to showcase KPI’s such as profit amount , profit%, sales amount, sales quantity, Total Sales, Top Revenue.</a:t>
+              <a:t>Prepared dashboard to showcase KPI’s such as profit amount , profit%, sales amount, sales quantity, Total Sales, CY,PY,YOY.</a:t>
             </a:r>
           </a:p>
           <a:p>
@@ -7289,19 +7276,7 @@
           <a:p>
             <a:r>
               <a:rPr lang="en-IN" dirty="0"/>
-              <a:t>Created Date dimension table.</a:t>
-            </a:r>
-          </a:p>
-          <a:p>
-            <a:r>
-              <a:rPr lang="en-IN" dirty="0"/>
-              <a:t>Identified correlations between years.</a:t>
-            </a:r>
-          </a:p>
-          <a:p>
-            <a:r>
-              <a:rPr lang="en-IN" dirty="0"/>
-              <a:t>In Data modelling, Sales trend is mapped with Amazon Sales data  using cardinality.</a:t>
+              <a:t>Using M query and DAX, created Date dimension table.</a:t>
             </a:r>
           </a:p>
           <a:p>
@@ -7390,8 +7365,8 @@
         </p:nvSpPr>
         <p:spPr>
           <a:xfrm>
-            <a:off x="838200" y="1690688"/>
-            <a:ext cx="10515600" cy="4351338"/>
+            <a:off x="838200" y="1690687"/>
+            <a:ext cx="10515600" cy="4994197"/>
           </a:xfrm>
         </p:spPr>
         <p:txBody>
@@ -7414,11 +7389,20 @@
                   <a:srgbClr val="00B0F0"/>
                 </a:solidFill>
               </a:rPr>
-              <a:t>$142.57M </a:t>
+              <a:t>$85.6M </a:t>
             </a:r>
             <a:r>
               <a:rPr lang="en-IN" sz="2500" dirty="0"/>
-              <a:t>which is higher when compared with rest of the years. </a:t>
+              <a:t>which is higher when </a:t>
+            </a:r>
+          </a:p>
+          <a:p>
+            <a:pPr marL="0" indent="0">
+              <a:buNone/>
+            </a:pPr>
+            <a:r>
+              <a:rPr lang="en-IN" sz="2500" dirty="0"/>
+              <a:t>    compared with rest of the years. </a:t>
             </a:r>
           </a:p>
           <a:p>
@@ -7436,7 +7420,7 @@
                   <a:srgbClr val="00B0F0"/>
                 </a:solidFill>
               </a:rPr>
-              <a:t>$55.15M </a:t>
+              <a:t>$20.49M </a:t>
             </a:r>
             <a:r>
               <a:rPr lang="en-IN" sz="2500" dirty="0"/>
@@ -7478,6 +7462,49 @@
               <a:rPr lang="en-IN" sz="2500" dirty="0"/>
               <a:t> is having high sell but making highest loss in all items.</a:t>
             </a:r>
+          </a:p>
+          <a:p>
+            <a:pPr>
+              <a:buFont typeface="Arial" panose="020B0604020202020204" pitchFamily="34" charset="0"/>
+              <a:buChar char="•"/>
+            </a:pPr>
+            <a:r>
+              <a:rPr lang="en-IN" sz="2500" dirty="0"/>
+              <a:t>Sales comparison based on </a:t>
+            </a:r>
+            <a:r>
+              <a:rPr lang="en-IN" sz="2500" dirty="0">
+                <a:solidFill>
+                  <a:srgbClr val="00B0F0"/>
+                </a:solidFill>
+              </a:rPr>
+              <a:t>CY, PY, YOY Growth % .</a:t>
+            </a:r>
+          </a:p>
+          <a:p>
+            <a:pPr>
+              <a:buFont typeface="Arial" panose="020B0604020202020204" pitchFamily="34" charset="0"/>
+              <a:buChar char="•"/>
+            </a:pPr>
+            <a:r>
+              <a:rPr lang="en-IN" sz="2500" dirty="0"/>
+              <a:t>Yearly, Monthly </a:t>
+            </a:r>
+            <a:r>
+              <a:rPr lang="en-IN" sz="2500" dirty="0">
+                <a:solidFill>
+                  <a:srgbClr val="00B0F0"/>
+                </a:solidFill>
+              </a:rPr>
+              <a:t>P &amp; L Growth % .</a:t>
+            </a:r>
+          </a:p>
+          <a:p>
+            <a:pPr>
+              <a:buFont typeface="Arial" panose="020B0604020202020204" pitchFamily="34" charset="0"/>
+              <a:buChar char="•"/>
+            </a:pPr>
+            <a:endParaRPr lang="en-IN" sz="2500" dirty="0"/>
           </a:p>
           <a:p>
             <a:endParaRPr lang="en-IN" dirty="0"/>
